--- a/03-Poster/FS2020-BScProject-Golliez-Poster-Optimierung_der_Veloinfrastruktur_Uster-2020-05-25.pptx
+++ b/03-Poster/FS2020-BScProject-Golliez-Poster-Optimierung_der_Veloinfrastruktur_Uster-2020-05-25.pptx
@@ -3785,27 +3785,7 @@
                 <a:latin typeface="Times New Roman" panose="02020603050405020304" pitchFamily="18" charset="0"/>
                 <a:cs typeface="Times New Roman" panose="02020603050405020304" pitchFamily="18" charset="0"/>
               </a:rPr>
-              <a:t>Um für Uster im Rahmen einer Vorstudie ein optimales System zu entwickeln, folge ich dem Ablauf des Problemlösungsprozesses. Dieser systematische Prozess erlaubt es, jede Art von Problem zu </a:t>
-            </a:r>
-            <a:r>
-              <a:rPr lang="de-CH" altLang="de-DE" sz="2600" b="0" kern="0" dirty="0" smtClean="0">
-                <a:solidFill>
-                  <a:srgbClr val="000000"/>
-                </a:solidFill>
-                <a:latin typeface="Times New Roman" panose="02020603050405020304" pitchFamily="18" charset="0"/>
-                <a:cs typeface="Times New Roman" panose="02020603050405020304" pitchFamily="18" charset="0"/>
-              </a:rPr>
-              <a:t>lösen und die optimale Lösung bestimme ich durch die Optimierung der Zielfunktion. Mithilfe </a:t>
-            </a:r>
-            <a:r>
-              <a:rPr lang="de-CH" altLang="de-DE" sz="2600" b="0" kern="0" dirty="0" smtClean="0">
-                <a:solidFill>
-                  <a:srgbClr val="000000"/>
-                </a:solidFill>
-                <a:latin typeface="Times New Roman" panose="02020603050405020304" pitchFamily="18" charset="0"/>
-                <a:cs typeface="Times New Roman" panose="02020603050405020304" pitchFamily="18" charset="0"/>
-              </a:rPr>
-              <a:t>das Entscheidungsbaum wird der Bewertungs- und Entscheidungsprozess graphisch dargestellt und mithilfe der Sensitivitätsanalyse der rechten Seite der Zielfunktion wird die optimale Lösung auf ihre Belastbarkeit überprüft.   </a:t>
+              <a:t>Um für Uster im Rahmen einer Vorstudie ein optimales System zu entwickeln, folge ich dem Ablauf des Problemlösungsprozesses. Dieser systematische Prozess erlaubt es, jede Art von Problem zu lösen und die optimale Lösung bestimme ich durch die Optimierung der Zielfunktion. Mithilfe das Entscheidungsbaum wird der Bewertungs- und Entscheidungsprozess graphisch dargestellt und mithilfe der Sensitivitätsanalyse der rechten Seite der Zielfunktion wird die optimale Lösung auf ihre Belastbarkeit überprüft.   </a:t>
             </a:r>
           </a:p>
         </p:txBody>
@@ -3996,59 +3976,19 @@
                 <a:latin typeface="Times New Roman" panose="02020603050405020304" pitchFamily="18" charset="0"/>
                 <a:cs typeface="Times New Roman" panose="02020603050405020304" pitchFamily="18" charset="0"/>
               </a:rPr>
-              <a:t>3. </a:t>
-            </a:r>
-            <a:r>
-              <a:rPr lang="de-CH" altLang="de-DE" sz="4000" kern="0" dirty="0" smtClean="0">
+              <a:t>3. Fallstudie: Uster</a:t>
+            </a:r>
+          </a:p>
+          <a:p>
+            <a:r>
+              <a:rPr lang="de-CH" altLang="de-DE" sz="2600" b="0" kern="0" dirty="0" smtClean="0">
                 <a:solidFill>
                   <a:srgbClr val="000000"/>
                 </a:solidFill>
                 <a:latin typeface="Times New Roman" panose="02020603050405020304" pitchFamily="18" charset="0"/>
                 <a:cs typeface="Times New Roman" panose="02020603050405020304" pitchFamily="18" charset="0"/>
               </a:rPr>
-              <a:t>Fallstudie: </a:t>
-            </a:r>
-            <a:r>
-              <a:rPr lang="de-CH" altLang="de-DE" sz="4000" kern="0" dirty="0" smtClean="0">
-                <a:solidFill>
-                  <a:srgbClr val="000000"/>
-                </a:solidFill>
-                <a:latin typeface="Times New Roman" panose="02020603050405020304" pitchFamily="18" charset="0"/>
-                <a:cs typeface="Times New Roman" panose="02020603050405020304" pitchFamily="18" charset="0"/>
-              </a:rPr>
-              <a:t>Uster</a:t>
-            </a:r>
-          </a:p>
-          <a:p>
-            <a:r>
-              <a:rPr lang="de-CH" altLang="de-DE" sz="2600" b="0" kern="0" dirty="0" smtClean="0">
-                <a:solidFill>
-                  <a:srgbClr val="000000"/>
-                </a:solidFill>
-                <a:latin typeface="Times New Roman" panose="02020603050405020304" pitchFamily="18" charset="0"/>
-                <a:cs typeface="Times New Roman" panose="02020603050405020304" pitchFamily="18" charset="0"/>
-              </a:rPr>
-              <a:t>Uster ist die drittgrösste Stadt im Kanton Zürich und geprägt durch die ehemals ansässige Industrie und einer, durch das Zusammenwachsen aus mehrere Dörfern </a:t>
-            </a:r>
-            <a:r>
-              <a:rPr lang="de-CH" altLang="de-DE" sz="2600" b="0" kern="0" dirty="0" smtClean="0">
-                <a:solidFill>
-                  <a:srgbClr val="000000"/>
-                </a:solidFill>
-                <a:latin typeface="Times New Roman" panose="02020603050405020304" pitchFamily="18" charset="0"/>
-                <a:cs typeface="Times New Roman" panose="02020603050405020304" pitchFamily="18" charset="0"/>
-              </a:rPr>
-              <a:t>bedingten, dezentralen </a:t>
-            </a:r>
-            <a:r>
-              <a:rPr lang="de-CH" altLang="de-DE" sz="2600" b="0" kern="0" dirty="0" smtClean="0">
-                <a:solidFill>
-                  <a:srgbClr val="000000"/>
-                </a:solidFill>
-                <a:latin typeface="Times New Roman" panose="02020603050405020304" pitchFamily="18" charset="0"/>
-                <a:cs typeface="Times New Roman" panose="02020603050405020304" pitchFamily="18" charset="0"/>
-              </a:rPr>
-              <a:t>Struktur. </a:t>
+              <a:t>Uster ist die drittgrösste Stadt im Kanton Zürich und geprägt durch die ehemals ansässige Industrie und einer, durch das Zusammenwachsen aus mehrere Dörfern bedingten, dezentralen Struktur. </a:t>
             </a:r>
             <a:r>
               <a:rPr lang="de-DE" altLang="de-DE" sz="2600" b="0" kern="0" dirty="0" smtClean="0">
@@ -4250,8 +4190,8 @@
           </a:p>
         </p:txBody>
       </p:sp>
-      <mc:AlternateContent xmlns:mc="http://schemas.openxmlformats.org/markup-compatibility/2006">
-        <mc:Choice xmlns:a14="http://schemas.microsoft.com/office/drawing/2010/main" Requires="a14">
+      <mc:AlternateContent xmlns:mc="http://schemas.openxmlformats.org/markup-compatibility/2006" xmlns:a14="http://schemas.microsoft.com/office/drawing/2010/main">
+        <mc:Choice Requires="a14">
           <p:sp>
             <p:nvSpPr>
               <p:cNvPr id="28" name="Title 1"/>
@@ -4450,27 +4390,7 @@
                     <a:latin typeface="Times New Roman" panose="02020603050405020304" pitchFamily="18" charset="0"/>
                     <a:cs typeface="Times New Roman" panose="02020603050405020304" pitchFamily="18" charset="0"/>
                   </a:rPr>
-                  <a:t>Die Variante 1 entspricht dem Ist-Zustand des </a:t>
-                </a:r>
-                <a:r>
-                  <a:rPr lang="de-CH" altLang="de-DE" sz="2400" b="0" kern="0" dirty="0" smtClean="0">
-                    <a:solidFill>
-                      <a:srgbClr val="000000"/>
-                    </a:solidFill>
-                    <a:latin typeface="Times New Roman" panose="02020603050405020304" pitchFamily="18" charset="0"/>
-                    <a:cs typeface="Times New Roman" panose="02020603050405020304" pitchFamily="18" charset="0"/>
-                  </a:rPr>
-                  <a:t>Bahnübergangs. </a:t>
-                </a:r>
-                <a:r>
-                  <a:rPr lang="de-CH" altLang="de-DE" sz="2400" b="0" kern="0" dirty="0" smtClean="0">
-                    <a:solidFill>
-                      <a:srgbClr val="000000"/>
-                    </a:solidFill>
-                    <a:latin typeface="Times New Roman" panose="02020603050405020304" pitchFamily="18" charset="0"/>
-                    <a:cs typeface="Times New Roman" panose="02020603050405020304" pitchFamily="18" charset="0"/>
-                  </a:rPr>
-                  <a:t>Um die Verkehrssicherheit zu erhöhen, sind zwei Velostreifen für insgesamt 68’000 </a:t>
+                  <a:t>Die Variante 1 entspricht dem Ist-Zustand des Bahnübergangs. Um die Verkehrssicherheit zu erhöhen, sind zwei Velostreifen für insgesamt 68’000 </a:t>
                 </a:r>
                 <a14:m>
                   <m:oMath xmlns:m="http://schemas.openxmlformats.org/officeDocument/2006/math">
@@ -4521,53 +4441,13 @@
                     <a:latin typeface="Times New Roman" panose="02020603050405020304" pitchFamily="18" charset="0"/>
                     <a:cs typeface="Times New Roman" panose="02020603050405020304" pitchFamily="18" charset="0"/>
                   </a:rPr>
-                  <a:t> geplant. Die durchschnittliche Wartezeit aufgrund der </a:t>
-                </a:r>
-                <a:r>
-                  <a:rPr lang="de-CH" altLang="de-DE" sz="2400" b="0" kern="0" dirty="0" smtClean="0">
-                    <a:solidFill>
-                      <a:srgbClr val="000000"/>
-                    </a:solidFill>
-                    <a:latin typeface="Times New Roman" panose="02020603050405020304" pitchFamily="18" charset="0"/>
-                    <a:cs typeface="Times New Roman" panose="02020603050405020304" pitchFamily="18" charset="0"/>
-                  </a:rPr>
-                  <a:t>Bahnschranke </a:t>
-                </a:r>
-                <a:r>
-                  <a:rPr lang="de-CH" altLang="de-DE" sz="2400" b="0" kern="0" dirty="0" smtClean="0">
-                    <a:solidFill>
-                      <a:srgbClr val="000000"/>
-                    </a:solidFill>
-                    <a:latin typeface="Times New Roman" panose="02020603050405020304" pitchFamily="18" charset="0"/>
-                    <a:cs typeface="Times New Roman" panose="02020603050405020304" pitchFamily="18" charset="0"/>
-                  </a:rPr>
-                  <a:t>beträgt </a:t>
-                </a:r>
-                <a:r>
-                  <a:rPr lang="de-CH" altLang="de-DE" sz="2400" b="0" kern="0" dirty="0" smtClean="0">
-                    <a:solidFill>
-                      <a:srgbClr val="000000"/>
-                    </a:solidFill>
-                    <a:latin typeface="Times New Roman" panose="02020603050405020304" pitchFamily="18" charset="0"/>
-                    <a:cs typeface="Times New Roman" panose="02020603050405020304" pitchFamily="18" charset="0"/>
-                  </a:rPr>
-                  <a:t>5</a:t>
-                </a:r>
-                <a:r>
-                  <a:rPr lang="de-CH" altLang="de-DE" sz="2400" b="0" kern="0" dirty="0" smtClean="0">
-                    <a:solidFill>
-                      <a:srgbClr val="000000"/>
-                    </a:solidFill>
-                    <a:latin typeface="Times New Roman" panose="02020603050405020304" pitchFamily="18" charset="0"/>
-                    <a:cs typeface="Times New Roman" panose="02020603050405020304" pitchFamily="18" charset="0"/>
-                  </a:rPr>
-                  <a:t>’.</a:t>
+                  <a:t> geplant. Die durchschnittliche Wartezeit aufgrund der Bahnschranke beträgt 5’.</a:t>
                 </a:r>
               </a:p>
             </p:txBody>
           </p:sp>
         </mc:Choice>
-        <mc:Fallback>
+        <mc:Fallback xmlns="">
           <p:sp>
             <p:nvSpPr>
               <p:cNvPr id="28" name="Title 1"/>
@@ -4873,7 +4753,27 @@
                 <a:latin typeface="Times New Roman" panose="02020603050405020304" pitchFamily="18" charset="0"/>
                 <a:cs typeface="Times New Roman" panose="02020603050405020304" pitchFamily="18" charset="0"/>
               </a:rPr>
-              <a:t> et. all., 2019 – Kursmaterial System Engineering FS2019</a:t>
+              <a:t> </a:t>
+            </a:r>
+            <a:r>
+              <a:rPr lang="de-CH" altLang="de-DE" sz="1800" b="0" kern="0" dirty="0" smtClean="0">
+                <a:solidFill>
+                  <a:srgbClr val="000000"/>
+                </a:solidFill>
+                <a:latin typeface="Times New Roman" panose="02020603050405020304" pitchFamily="18" charset="0"/>
+                <a:cs typeface="Times New Roman" panose="02020603050405020304" pitchFamily="18" charset="0"/>
+              </a:rPr>
+              <a:t>et al. </a:t>
+            </a:r>
+            <a:r>
+              <a:rPr lang="de-CH" altLang="de-DE" sz="1800" b="0" kern="0" dirty="0" smtClean="0">
+                <a:solidFill>
+                  <a:srgbClr val="000000"/>
+                </a:solidFill>
+                <a:latin typeface="Times New Roman" panose="02020603050405020304" pitchFamily="18" charset="0"/>
+                <a:cs typeface="Times New Roman" panose="02020603050405020304" pitchFamily="18" charset="0"/>
+              </a:rPr>
+              <a:t>2019 – Kursmaterial System Engineering FS2019</a:t>
             </a:r>
           </a:p>
           <a:p>
@@ -5258,8 +5158,8 @@
           </a:prstGeom>
         </p:spPr>
       </p:pic>
-      <mc:AlternateContent xmlns:mc="http://schemas.openxmlformats.org/markup-compatibility/2006">
-        <mc:Choice xmlns:a14="http://schemas.microsoft.com/office/drawing/2010/main" Requires="a14">
+      <mc:AlternateContent xmlns:mc="http://schemas.openxmlformats.org/markup-compatibility/2006" xmlns:a14="http://schemas.microsoft.com/office/drawing/2010/main">
+        <mc:Choice Requires="a14">
           <p:sp>
             <p:nvSpPr>
               <p:cNvPr id="30" name="Title 1"/>
@@ -6021,7 +5921,7 @@
             </p:txBody>
           </p:sp>
         </mc:Choice>
-        <mc:Fallback>
+        <mc:Fallback xmlns="">
           <p:sp>
             <p:nvSpPr>
               <p:cNvPr id="30" name="Title 1"/>
@@ -6355,14 +6255,14 @@
               <a:t>Gemäss dem Entscheidungsbau dargestellten </a:t>
             </a:r>
             <a:r>
-              <a:rPr lang="de-CH" altLang="de-DE" sz="2600" b="0" kern="0" dirty="0" err="1" smtClean="0">
+              <a:rPr lang="de-CH" altLang="de-DE" sz="2600" b="0" kern="0" dirty="0" smtClean="0">
                 <a:solidFill>
                   <a:srgbClr val="000000"/>
                 </a:solidFill>
                 <a:latin typeface="Times New Roman" panose="02020603050405020304" pitchFamily="18" charset="0"/>
                 <a:cs typeface="Times New Roman" panose="02020603050405020304" pitchFamily="18" charset="0"/>
               </a:rPr>
-              <a:t>Risikovergelich</a:t>
+              <a:t>Risikovergleich </a:t>
             </a:r>
             <a:r>
               <a:rPr lang="de-CH" altLang="de-DE" sz="2600" b="0" kern="0" dirty="0" smtClean="0">
@@ -6372,47 +6272,7 @@
                 <a:latin typeface="Times New Roman" panose="02020603050405020304" pitchFamily="18" charset="0"/>
                 <a:cs typeface="Times New Roman" panose="02020603050405020304" pitchFamily="18" charset="0"/>
               </a:rPr>
-              <a:t> ist die Variante 2 die optimale Variante über den betrachteten Zeitraum. Die </a:t>
-            </a:r>
-            <a:r>
-              <a:rPr lang="de-CH" altLang="de-DE" sz="2600" b="0" kern="0" dirty="0" smtClean="0">
-                <a:solidFill>
-                  <a:srgbClr val="000000"/>
-                </a:solidFill>
-                <a:latin typeface="Times New Roman" panose="02020603050405020304" pitchFamily="18" charset="0"/>
-                <a:cs typeface="Times New Roman" panose="02020603050405020304" pitchFamily="18" charset="0"/>
-              </a:rPr>
-              <a:t>durchgeführten </a:t>
-            </a:r>
-            <a:r>
-              <a:rPr lang="de-CH" altLang="de-DE" sz="2600" b="0" kern="0" dirty="0" smtClean="0">
-                <a:solidFill>
-                  <a:srgbClr val="000000"/>
-                </a:solidFill>
-                <a:latin typeface="Times New Roman" panose="02020603050405020304" pitchFamily="18" charset="0"/>
-                <a:cs typeface="Times New Roman" panose="02020603050405020304" pitchFamily="18" charset="0"/>
-              </a:rPr>
-              <a:t>Sensitivitätsanalysen bestätigen </a:t>
-            </a:r>
-            <a:r>
-              <a:rPr lang="de-CH" altLang="de-DE" sz="2600" b="0" kern="0" dirty="0" smtClean="0">
-                <a:solidFill>
-                  <a:srgbClr val="000000"/>
-                </a:solidFill>
-                <a:latin typeface="Times New Roman" panose="02020603050405020304" pitchFamily="18" charset="0"/>
-                <a:cs typeface="Times New Roman" panose="02020603050405020304" pitchFamily="18" charset="0"/>
-              </a:rPr>
-              <a:t>die </a:t>
-            </a:r>
-            <a:r>
-              <a:rPr lang="de-CH" altLang="de-DE" sz="2600" b="0" kern="0" dirty="0" smtClean="0">
-                <a:solidFill>
-                  <a:srgbClr val="000000"/>
-                </a:solidFill>
-                <a:latin typeface="Times New Roman" panose="02020603050405020304" pitchFamily="18" charset="0"/>
-                <a:cs typeface="Times New Roman" panose="02020603050405020304" pitchFamily="18" charset="0"/>
-              </a:rPr>
-              <a:t>getroffene Wahl. Somit ist die Variante 2 diejenige Variante, welche die Zielfunktion am meisten optimiert, die geringsten Kosten verursacht und somit den Nutzen aller Beteiligten erhöht.</a:t>
+              <a:t>ist die Variante 2 die optimale Variante über den betrachteten Zeitraum. Die durchgeführten Sensitivitätsanalysen bestätigen die getroffene Wahl. Somit ist die Variante 2 diejenige Variante, welche die Zielfunktion am meisten optimiert, die geringsten Kosten verursacht und somit den Nutzen aller Beteiligten erhöht.</a:t>
             </a:r>
           </a:p>
           <a:p>
@@ -6491,8 +6351,8 @@
           </a:p>
         </p:txBody>
       </p:sp>
-      <mc:AlternateContent xmlns:mc="http://schemas.openxmlformats.org/markup-compatibility/2006">
-        <mc:Choice xmlns:a14="http://schemas.microsoft.com/office/drawing/2010/main" Requires="a14">
+      <mc:AlternateContent xmlns:mc="http://schemas.openxmlformats.org/markup-compatibility/2006" xmlns:a14="http://schemas.microsoft.com/office/drawing/2010/main">
+        <mc:Choice Requires="a14">
           <p:sp>
             <p:nvSpPr>
               <p:cNvPr id="37" name="Title 1"/>
@@ -6679,17 +6539,7 @@
                     <a:latin typeface="Times New Roman" panose="02020603050405020304" pitchFamily="18" charset="0"/>
                     <a:cs typeface="Times New Roman" panose="02020603050405020304" pitchFamily="18" charset="0"/>
                   </a:rPr>
-                  <a:t>Gesamtverkehrsmodell der Stadt Uster </a:t>
-                </a:r>
-                <a:r>
-                  <a:rPr lang="de-CH" altLang="de-DE" sz="1600" b="0" kern="0" dirty="0" smtClean="0">
-                    <a:solidFill>
-                      <a:srgbClr val="000000"/>
-                    </a:solidFill>
-                    <a:latin typeface="Times New Roman" panose="02020603050405020304" pitchFamily="18" charset="0"/>
-                    <a:cs typeface="Times New Roman" panose="02020603050405020304" pitchFamily="18" charset="0"/>
-                  </a:rPr>
-                  <a:t> </a:t>
+                  <a:t>Gesamtverkehrsmodell der Stadt Uster  </a:t>
                 </a:r>
                 <a:r>
                   <a:rPr lang="de-CH" altLang="de-DE" sz="1600" b="0" i="1" kern="0" dirty="0" smtClean="0">
@@ -6753,7 +6603,7 @@
             </p:txBody>
           </p:sp>
         </mc:Choice>
-        <mc:Fallback>
+        <mc:Fallback xmlns="">
           <p:sp>
             <p:nvSpPr>
               <p:cNvPr id="37" name="Title 1"/>
@@ -6811,8 +6661,8 @@
           </p:sp>
         </mc:Fallback>
       </mc:AlternateContent>
-      <mc:AlternateContent xmlns:mc="http://schemas.openxmlformats.org/markup-compatibility/2006">
-        <mc:Choice xmlns:a14="http://schemas.microsoft.com/office/drawing/2010/main" Requires="a14">
+      <mc:AlternateContent xmlns:mc="http://schemas.openxmlformats.org/markup-compatibility/2006" xmlns:a14="http://schemas.microsoft.com/office/drawing/2010/main">
+        <mc:Choice Requires="a14">
           <p:sp>
             <p:nvSpPr>
               <p:cNvPr id="38" name="Title 1"/>
@@ -7073,7 +6923,7 @@
             </p:txBody>
           </p:sp>
         </mc:Choice>
-        <mc:Fallback>
+        <mc:Fallback xmlns="">
           <p:sp>
             <p:nvSpPr>
               <p:cNvPr id="38" name="Title 1"/>
@@ -7349,17 +7199,7 @@
                 <a:latin typeface="Times New Roman" panose="02020603050405020304" pitchFamily="18" charset="0"/>
                 <a:cs typeface="Times New Roman" panose="02020603050405020304" pitchFamily="18" charset="0"/>
               </a:rPr>
-              <a:t>Infrastrukturen bestehen über einen sehr langen Zeitraum weshalb eine Interventionen in ein bestehendes System, zukunftsorientiert sein </a:t>
-            </a:r>
-            <a:r>
-              <a:rPr lang="de-CH" altLang="de-DE" sz="2600" b="0" kern="0" dirty="0" smtClean="0">
-                <a:solidFill>
-                  <a:srgbClr val="000000"/>
-                </a:solidFill>
-                <a:latin typeface="Times New Roman" panose="02020603050405020304" pitchFamily="18" charset="0"/>
-                <a:cs typeface="Times New Roman" panose="02020603050405020304" pitchFamily="18" charset="0"/>
-              </a:rPr>
-              <a:t>sollen. Sie soll die </a:t>
+              <a:t>Infrastrukturen bestehen über einen sehr langen Zeitraum weshalb eine Interventionen in ein bestehendes System, zukunftsorientiert sein sollen. Sie soll die </a:t>
             </a:r>
             <a:r>
               <a:rPr lang="de-CH" altLang="de-DE" sz="2600" b="0" dirty="0" smtClean="0">
@@ -7379,77 +7219,7 @@
                 <a:latin typeface="Times New Roman" panose="02020603050405020304" pitchFamily="18" charset="0"/>
                 <a:cs typeface="Times New Roman" panose="02020603050405020304" pitchFamily="18" charset="0"/>
               </a:rPr>
-              <a:t>Infolge dessen muss man, um eine Intervention zu erarbeiten die zukünftigen Einflüsse auf die Infrastruktur, anhand von Prognose modellieren. Über eine </a:t>
-            </a:r>
-            <a:r>
-              <a:rPr lang="de-CH" altLang="de-DE" sz="2600" b="0" kern="0" dirty="0" smtClean="0">
-                <a:solidFill>
-                  <a:srgbClr val="000000"/>
-                </a:solidFill>
-                <a:latin typeface="Times New Roman" panose="02020603050405020304" pitchFamily="18" charset="0"/>
-                <a:cs typeface="Times New Roman" panose="02020603050405020304" pitchFamily="18" charset="0"/>
-              </a:rPr>
-              <a:t>Zeitspanne </a:t>
-            </a:r>
-            <a:r>
-              <a:rPr lang="de-CH" altLang="de-DE" sz="2600" b="0" kern="0" dirty="0" smtClean="0">
-                <a:solidFill>
-                  <a:srgbClr val="000000"/>
-                </a:solidFill>
-                <a:latin typeface="Times New Roman" panose="02020603050405020304" pitchFamily="18" charset="0"/>
-                <a:cs typeface="Times New Roman" panose="02020603050405020304" pitchFamily="18" charset="0"/>
-              </a:rPr>
-              <a:t>können </a:t>
-            </a:r>
-            <a:r>
-              <a:rPr lang="de-CH" altLang="de-DE" sz="2600" b="0" kern="0" dirty="0" smtClean="0">
-                <a:solidFill>
-                  <a:srgbClr val="000000"/>
-                </a:solidFill>
-                <a:latin typeface="Times New Roman" panose="02020603050405020304" pitchFamily="18" charset="0"/>
-                <a:cs typeface="Times New Roman" panose="02020603050405020304" pitchFamily="18" charset="0"/>
-              </a:rPr>
-              <a:t>Einflüsse </a:t>
-            </a:r>
-            <a:r>
-              <a:rPr lang="de-CH" altLang="de-DE" sz="2600" b="0" kern="0" dirty="0" smtClean="0">
-                <a:solidFill>
-                  <a:srgbClr val="000000"/>
-                </a:solidFill>
-                <a:latin typeface="Times New Roman" panose="02020603050405020304" pitchFamily="18" charset="0"/>
-                <a:cs typeface="Times New Roman" panose="02020603050405020304" pitchFamily="18" charset="0"/>
-              </a:rPr>
-              <a:t>auf die Situation nicht mit absoluter Sicherheit vorhergesagt werden. </a:t>
-            </a:r>
-            <a:r>
-              <a:rPr lang="de-CH" altLang="de-DE" sz="2600" b="0" kern="0" dirty="0" smtClean="0">
-                <a:solidFill>
-                  <a:srgbClr val="000000"/>
-                </a:solidFill>
-                <a:latin typeface="Times New Roman" panose="02020603050405020304" pitchFamily="18" charset="0"/>
-                <a:cs typeface="Times New Roman" panose="02020603050405020304" pitchFamily="18" charset="0"/>
-              </a:rPr>
-              <a:t>Eine </a:t>
-            </a:r>
-            <a:r>
-              <a:rPr lang="de-CH" altLang="de-DE" sz="2600" b="0" kern="0" dirty="0" smtClean="0">
-                <a:solidFill>
-                  <a:srgbClr val="000000"/>
-                </a:solidFill>
-                <a:latin typeface="Times New Roman" panose="02020603050405020304" pitchFamily="18" charset="0"/>
-                <a:cs typeface="Times New Roman" panose="02020603050405020304" pitchFamily="18" charset="0"/>
-              </a:rPr>
-              <a:t>optimale Varianten, in Anbetracht der unsicheren zukünftigen Gegebenheiten zu erarbeiten, ist das Ziel dieser </a:t>
-            </a:r>
-            <a:r>
-              <a:rPr lang="de-CH" altLang="de-DE" sz="2600" b="0" kern="0" dirty="0" smtClean="0">
-                <a:solidFill>
-                  <a:srgbClr val="000000"/>
-                </a:solidFill>
-                <a:latin typeface="Times New Roman" panose="02020603050405020304" pitchFamily="18" charset="0"/>
-                <a:cs typeface="Times New Roman" panose="02020603050405020304" pitchFamily="18" charset="0"/>
-              </a:rPr>
-              <a:t>Projektarbeit </a:t>
+              <a:t>Infolge dessen muss man, um eine Intervention zu erarbeiten die zukünftigen Einflüsse auf die Infrastruktur, anhand von Prognose modellieren. Über eine Zeitspanne können Einflüsse auf die Situation nicht mit absoluter Sicherheit vorhergesagt werden. Eine optimale Varianten, in Anbetracht der unsicheren zukünftigen Gegebenheiten zu erarbeiten, ist das Ziel dieser Projektarbeit </a:t>
             </a:r>
             <a:r>
               <a:rPr lang="de-DE" altLang="de-DE" sz="2600" b="0" kern="0" dirty="0" smtClean="0">
@@ -7961,8 +7731,8 @@
           </a:prstGeom>
         </p:spPr>
       </p:pic>
-      <mc:AlternateContent xmlns:mc="http://schemas.openxmlformats.org/markup-compatibility/2006">
-        <mc:Choice xmlns:a14="http://schemas.microsoft.com/office/drawing/2010/main" Requires="a14">
+      <mc:AlternateContent xmlns:mc="http://schemas.openxmlformats.org/markup-compatibility/2006" xmlns:a14="http://schemas.microsoft.com/office/drawing/2010/main">
+        <mc:Choice Requires="a14">
           <p:sp>
             <p:nvSpPr>
               <p:cNvPr id="46" name="Title 1"/>
@@ -8223,7 +7993,7 @@
             </p:txBody>
           </p:sp>
         </mc:Choice>
-        <mc:Fallback>
+        <mc:Fallback xmlns="">
           <p:sp>
             <p:nvSpPr>
               <p:cNvPr id="46" name="Title 1"/>
@@ -8486,27 +8256,7 @@
                 <a:latin typeface="Times New Roman" panose="02020603050405020304" pitchFamily="18" charset="0"/>
                 <a:cs typeface="Times New Roman" panose="02020603050405020304" pitchFamily="18" charset="0"/>
               </a:rPr>
-              <a:t>Die zukünftige Situation insbesondere das tägliche Verkehrsaufkommen (DTV) am Bahnübergang ist von verschiedenen Einflüssen abhängig. Mehrheitlich vom Bevölkerungswachstum und von der Umsetzung der Stadtentwicklung. </a:t>
-            </a:r>
-            <a:r>
-              <a:rPr lang="de-CH" altLang="de-DE" sz="2600" b="0" kern="0" dirty="0" smtClean="0">
-                <a:solidFill>
-                  <a:srgbClr val="000000"/>
-                </a:solidFill>
-                <a:latin typeface="Times New Roman" panose="02020603050405020304" pitchFamily="18" charset="0"/>
-                <a:cs typeface="Times New Roman" panose="02020603050405020304" pitchFamily="18" charset="0"/>
-              </a:rPr>
-              <a:t>Diese </a:t>
-            </a:r>
-            <a:r>
-              <a:rPr lang="de-CH" altLang="de-DE" sz="2600" b="0" kern="0" dirty="0" smtClean="0">
-                <a:solidFill>
-                  <a:srgbClr val="000000"/>
-                </a:solidFill>
-                <a:latin typeface="Times New Roman" panose="02020603050405020304" pitchFamily="18" charset="0"/>
-                <a:cs typeface="Times New Roman" panose="02020603050405020304" pitchFamily="18" charset="0"/>
-              </a:rPr>
-              <a:t>Einflüsse auf das DTV werden mithilfe von Szenarien modelliert und in den Entscheidungsprozess miteinbezogen. Die Abbildung zeigt das anhand der Wachstumsprognosen der Stadt Uster ermittelte DTV.</a:t>
+              <a:t>Die zukünftige Situation insbesondere das tägliche Verkehrsaufkommen (DTV) am Bahnübergang ist von verschiedenen Einflüssen abhängig. Mehrheitlich vom Bevölkerungswachstum und von der Umsetzung der Stadtentwicklung. Diese Einflüsse auf das DTV werden mithilfe von Szenarien modelliert und in den Entscheidungsprozess miteinbezogen. Die Abbildung zeigt das anhand der Wachstumsprognosen der Stadt Uster ermittelte DTV.</a:t>
             </a:r>
           </a:p>
         </p:txBody>
@@ -8784,17 +8534,7 @@
                 <a:latin typeface="Times New Roman" panose="02020603050405020304" pitchFamily="18" charset="0"/>
                 <a:cs typeface="Times New Roman" panose="02020603050405020304" pitchFamily="18" charset="0"/>
               </a:rPr>
-              <a:t>Zur Verbesserung der Situation </a:t>
-            </a:r>
-            <a:r>
-              <a:rPr lang="de-CH" altLang="de-DE" sz="2600" b="0" kern="0" dirty="0" smtClean="0">
-                <a:solidFill>
-                  <a:srgbClr val="000000"/>
-                </a:solidFill>
-                <a:latin typeface="Times New Roman" panose="02020603050405020304" pitchFamily="18" charset="0"/>
-                <a:cs typeface="Times New Roman" panose="02020603050405020304" pitchFamily="18" charset="0"/>
-              </a:rPr>
-              <a:t>am Bahnübergang, in </a:t>
+              <a:t>Zur Verbesserung der Situation am Bahnübergang, in </a:t>
             </a:r>
             <a:r>
               <a:rPr lang="de-CH" altLang="de-DE" sz="2600" b="0" kern="0" dirty="0">
@@ -8814,77 +8554,7 @@
                 <a:latin typeface="Times New Roman" panose="02020603050405020304" pitchFamily="18" charset="0"/>
                 <a:cs typeface="Times New Roman" panose="02020603050405020304" pitchFamily="18" charset="0"/>
               </a:rPr>
-              <a:t>nbetracht der unsicheren zukünftigen Gegebenheiten</a:t>
-            </a:r>
-            <a:r>
-              <a:rPr lang="de-CH" altLang="de-DE" sz="2600" b="0" kern="0" dirty="0" smtClean="0">
-                <a:solidFill>
-                  <a:srgbClr val="000000"/>
-                </a:solidFill>
-                <a:latin typeface="Times New Roman" panose="02020603050405020304" pitchFamily="18" charset="0"/>
-                <a:cs typeface="Times New Roman" panose="02020603050405020304" pitchFamily="18" charset="0"/>
-              </a:rPr>
-              <a:t>, </a:t>
-            </a:r>
-            <a:r>
-              <a:rPr lang="de-CH" altLang="de-DE" sz="2600" b="0" kern="0" dirty="0" smtClean="0">
-                <a:solidFill>
-                  <a:srgbClr val="000000"/>
-                </a:solidFill>
-                <a:latin typeface="Times New Roman" panose="02020603050405020304" pitchFamily="18" charset="0"/>
-                <a:cs typeface="Times New Roman" panose="02020603050405020304" pitchFamily="18" charset="0"/>
-              </a:rPr>
-              <a:t>empfehle ich der Stadt Uster ein Vorgehen, wie im Entscheidungsbaum </a:t>
-            </a:r>
-            <a:r>
-              <a:rPr lang="de-CH" altLang="de-DE" sz="2600" b="0" kern="0" dirty="0" smtClean="0">
-                <a:solidFill>
-                  <a:srgbClr val="000000"/>
-                </a:solidFill>
-                <a:latin typeface="Times New Roman" panose="02020603050405020304" pitchFamily="18" charset="0"/>
-                <a:cs typeface="Times New Roman" panose="02020603050405020304" pitchFamily="18" charset="0"/>
-              </a:rPr>
-              <a:t>dargestellt. Um </a:t>
-            </a:r>
-            <a:r>
-              <a:rPr lang="de-CH" altLang="de-DE" sz="2600" b="0" kern="0" dirty="0" smtClean="0">
-                <a:solidFill>
-                  <a:srgbClr val="000000"/>
-                </a:solidFill>
-                <a:latin typeface="Times New Roman" panose="02020603050405020304" pitchFamily="18" charset="0"/>
-                <a:cs typeface="Times New Roman" panose="02020603050405020304" pitchFamily="18" charset="0"/>
-              </a:rPr>
-              <a:t>die effektive Verkehrssituation in die Entscheidungsfindung miteinzubeziehen, wären Verkehrssimulationen notwendig und </a:t>
-            </a:r>
-            <a:r>
-              <a:rPr lang="de-CH" altLang="de-DE" sz="2600" b="0" kern="0" dirty="0" smtClean="0">
-                <a:solidFill>
-                  <a:srgbClr val="000000"/>
-                </a:solidFill>
-                <a:latin typeface="Times New Roman" panose="02020603050405020304" pitchFamily="18" charset="0"/>
-                <a:cs typeface="Times New Roman" panose="02020603050405020304" pitchFamily="18" charset="0"/>
-              </a:rPr>
-              <a:t>das Berücksichtigen </a:t>
-            </a:r>
-            <a:r>
-              <a:rPr lang="de-CH" altLang="de-DE" sz="2600" b="0" kern="0" dirty="0" smtClean="0">
-                <a:solidFill>
-                  <a:srgbClr val="000000"/>
-                </a:solidFill>
-                <a:latin typeface="Times New Roman" panose="02020603050405020304" pitchFamily="18" charset="0"/>
-                <a:cs typeface="Times New Roman" panose="02020603050405020304" pitchFamily="18" charset="0"/>
-              </a:rPr>
-              <a:t>des öffentlichen </a:t>
-            </a:r>
-            <a:r>
-              <a:rPr lang="de-CH" altLang="de-DE" sz="2600" b="0" kern="0" dirty="0" smtClean="0">
-                <a:solidFill>
-                  <a:srgbClr val="000000"/>
-                </a:solidFill>
-                <a:latin typeface="Times New Roman" panose="02020603050405020304" pitchFamily="18" charset="0"/>
-                <a:cs typeface="Times New Roman" panose="02020603050405020304" pitchFamily="18" charset="0"/>
-              </a:rPr>
-              <a:t>Verkehrs. </a:t>
+              <a:t>nbetracht der unsicheren zukünftigen Gegebenheiten, empfehle ich der Stadt Uster ein Vorgehen, wie im Entscheidungsbaum dargestellt. Um die effektive Verkehrssituation in die Entscheidungsfindung miteinzubeziehen, wären Verkehrssimulationen notwendig und das Berücksichtigen des öffentlichen Verkehrs. </a:t>
             </a:r>
             <a:endParaRPr lang="de-CH" altLang="de-DE" sz="2600" kern="0" dirty="0" smtClean="0">
               <a:solidFill>
@@ -9094,17 +8764,7 @@
                 <a:latin typeface="Times New Roman" panose="02020603050405020304" pitchFamily="18" charset="0"/>
                 <a:cs typeface="Times New Roman" panose="02020603050405020304" pitchFamily="18" charset="0"/>
               </a:rPr>
-              <a:t>Im </a:t>
-            </a:r>
-            <a:r>
-              <a:rPr lang="de-CH" altLang="de-DE" sz="2600" b="0" kern="0" dirty="0" smtClean="0">
-                <a:solidFill>
-                  <a:srgbClr val="000000"/>
-                </a:solidFill>
-                <a:latin typeface="Times New Roman" panose="02020603050405020304" pitchFamily="18" charset="0"/>
-                <a:cs typeface="Times New Roman" panose="02020603050405020304" pitchFamily="18" charset="0"/>
-              </a:rPr>
-              <a:t>Entscheidungsbaum dargestellt sind die möglichen zukünftigen Ereignisse und ihre Eintrittswahrscheinlichkeit. Die Berechnung erfolgt von links nach rechts. Das Risiko welches von der Ausführung einer Variante ausgeht, berechnet sich durch die Summe aller </a:t>
+              <a:t>Im Entscheidungsbaum dargestellt sind die möglichen zukünftigen Ereignisse und ihre Eintrittswahrscheinlichkeit. Die Berechnung erfolgt von links nach rechts. Das Risiko welches von der Ausführung einer Variante ausgeht, berechnet sich durch die Summe aller </a:t>
             </a:r>
             <a:r>
               <a:rPr lang="de-CH" altLang="de-DE" sz="2600" b="0" kern="0" dirty="0" err="1">
@@ -9402,50 +9062,13 @@
                 <a:latin typeface="Times New Roman" panose="02020603050405020304" pitchFamily="18" charset="0"/>
                 <a:cs typeface="Times New Roman" panose="02020603050405020304" pitchFamily="18" charset="0"/>
               </a:rPr>
-              <a:t>Um die Situation am Bahnübergang </a:t>
-            </a:r>
-            <a:r>
-              <a:rPr lang="de-CH" altLang="de-DE" sz="2600" b="0" kern="0" dirty="0" smtClean="0">
-                <a:solidFill>
-                  <a:srgbClr val="000000"/>
-                </a:solidFill>
-                <a:latin typeface="Times New Roman" panose="02020603050405020304" pitchFamily="18" charset="0"/>
-                <a:cs typeface="Times New Roman" panose="02020603050405020304" pitchFamily="18" charset="0"/>
-              </a:rPr>
-              <a:t>Brunnenstrasse nachhaltig </a:t>
-            </a:r>
-            <a:r>
-              <a:rPr lang="de-CH" altLang="de-DE" sz="2600" b="0" kern="0" dirty="0" smtClean="0">
-                <a:solidFill>
-                  <a:srgbClr val="000000"/>
-                </a:solidFill>
-                <a:latin typeface="Times New Roman" panose="02020603050405020304" pitchFamily="18" charset="0"/>
-                <a:cs typeface="Times New Roman" panose="02020603050405020304" pitchFamily="18" charset="0"/>
-              </a:rPr>
-              <a:t>verbessern zu können, bedarf es einer Veränderung des Verkehrskonzeptes. Die drei nachfolgend Varianten sind die von mir erarbeiteten Lösungsvorschläge für die zukünftige </a:t>
-            </a:r>
-            <a:r>
-              <a:rPr lang="de-CH" altLang="de-DE" sz="2600" b="0" kern="0" dirty="0" smtClean="0">
-                <a:solidFill>
-                  <a:srgbClr val="000000"/>
-                </a:solidFill>
-                <a:latin typeface="Times New Roman" panose="02020603050405020304" pitchFamily="18" charset="0"/>
-                <a:cs typeface="Times New Roman" panose="02020603050405020304" pitchFamily="18" charset="0"/>
-              </a:rPr>
-              <a:t>Verkehrsführung</a:t>
-            </a:r>
-            <a:endParaRPr lang="de-CH" altLang="de-DE" sz="2600" b="0" kern="0" dirty="0" smtClean="0">
-              <a:solidFill>
-                <a:srgbClr val="000000"/>
-              </a:solidFill>
-              <a:latin typeface="Times New Roman" panose="02020603050405020304" pitchFamily="18" charset="0"/>
-              <a:cs typeface="Times New Roman" panose="02020603050405020304" pitchFamily="18" charset="0"/>
-            </a:endParaRPr>
+              <a:t>Um die Situation am Bahnübergang Brunnenstrasse nachhaltig verbessern zu können, bedarf es einer Veränderung des Verkehrskonzeptes. Die drei nachfolgend Varianten sind die von mir erarbeiteten Lösungsvorschläge für die zukünftige Verkehrsführung</a:t>
+            </a:r>
           </a:p>
         </p:txBody>
       </p:sp>
-      <mc:AlternateContent xmlns:mc="http://schemas.openxmlformats.org/markup-compatibility/2006">
-        <mc:Choice xmlns:a14="http://schemas.microsoft.com/office/drawing/2010/main" Requires="a14">
+      <mc:AlternateContent xmlns:mc="http://schemas.openxmlformats.org/markup-compatibility/2006" xmlns:a14="http://schemas.microsoft.com/office/drawing/2010/main">
+        <mc:Choice Requires="a14">
           <p:sp>
             <p:nvSpPr>
               <p:cNvPr id="54" name="Title 1"/>
@@ -9762,63 +9385,13 @@
                     <a:latin typeface="Times New Roman" panose="02020603050405020304" pitchFamily="18" charset="0"/>
                     <a:cs typeface="Times New Roman" panose="02020603050405020304" pitchFamily="18" charset="0"/>
                   </a:rPr>
-                  <a:t> die </a:t>
-                </a:r>
-                <a:r>
-                  <a:rPr lang="de-CH" altLang="de-DE" sz="2400" b="0" kern="0" dirty="0" smtClean="0">
-                    <a:solidFill>
-                      <a:srgbClr val="000000"/>
-                    </a:solidFill>
-                    <a:latin typeface="Times New Roman" panose="02020603050405020304" pitchFamily="18" charset="0"/>
-                    <a:cs typeface="Times New Roman" panose="02020603050405020304" pitchFamily="18" charset="0"/>
-                  </a:rPr>
-                  <a:t>Reisezeit der Velofahrer </a:t>
-                </a:r>
-                <a:r>
-                  <a:rPr lang="de-CH" altLang="de-DE" sz="2400" b="0" kern="0" dirty="0" smtClean="0">
-                    <a:solidFill>
-                      <a:srgbClr val="000000"/>
-                    </a:solidFill>
-                    <a:latin typeface="Times New Roman" panose="02020603050405020304" pitchFamily="18" charset="0"/>
-                    <a:cs typeface="Times New Roman" panose="02020603050405020304" pitchFamily="18" charset="0"/>
-                  </a:rPr>
-                  <a:t>verkürzt wobei die </a:t>
-                </a:r>
-                <a:r>
-                  <a:rPr lang="de-CH" altLang="de-DE" sz="2400" b="0" kern="0" dirty="0" smtClean="0">
-                    <a:solidFill>
-                      <a:srgbClr val="000000"/>
-                    </a:solidFill>
-                    <a:latin typeface="Times New Roman" panose="02020603050405020304" pitchFamily="18" charset="0"/>
-                    <a:cs typeface="Times New Roman" panose="02020603050405020304" pitchFamily="18" charset="0"/>
-                  </a:rPr>
-                  <a:t>Reisezeit des MIV bei 5’ </a:t>
-                </a:r>
-                <a:r>
-                  <a:rPr lang="de-CH" altLang="de-DE" sz="2400" b="0" kern="0" dirty="0" smtClean="0">
-                    <a:solidFill>
-                      <a:srgbClr val="000000"/>
-                    </a:solidFill>
-                    <a:latin typeface="Times New Roman" panose="02020603050405020304" pitchFamily="18" charset="0"/>
-                    <a:cs typeface="Times New Roman" panose="02020603050405020304" pitchFamily="18" charset="0"/>
-                  </a:rPr>
-                  <a:t>verbleibt. Zusätzlich ist ein </a:t>
-                </a:r>
-                <a:r>
-                  <a:rPr lang="de-CH" altLang="de-DE" sz="2400" b="0" kern="0" dirty="0" smtClean="0">
-                    <a:solidFill>
-                      <a:srgbClr val="000000"/>
-                    </a:solidFill>
-                    <a:latin typeface="Times New Roman" panose="02020603050405020304" pitchFamily="18" charset="0"/>
-                    <a:cs typeface="Times New Roman" panose="02020603050405020304" pitchFamily="18" charset="0"/>
-                  </a:rPr>
-                  <a:t>Temporegime von 30 km/h ist vorgesehen.</a:t>
+                  <a:t> die Reisezeit der Velofahrer verkürzt wobei die Reisezeit des MIV bei 5’ verbleibt. Zusätzlich ist ein Temporegime von 30 km/h ist vorgesehen.</a:t>
                 </a:r>
               </a:p>
             </p:txBody>
           </p:sp>
         </mc:Choice>
-        <mc:Fallback>
+        <mc:Fallback xmlns="">
           <p:sp>
             <p:nvSpPr>
               <p:cNvPr id="54" name="Title 1"/>
@@ -9876,8 +9449,8 @@
           </p:sp>
         </mc:Fallback>
       </mc:AlternateContent>
-      <mc:AlternateContent xmlns:mc="http://schemas.openxmlformats.org/markup-compatibility/2006">
-        <mc:Choice xmlns:a14="http://schemas.microsoft.com/office/drawing/2010/main" Requires="a14">
+      <mc:AlternateContent xmlns:mc="http://schemas.openxmlformats.org/markup-compatibility/2006" xmlns:a14="http://schemas.microsoft.com/office/drawing/2010/main">
+        <mc:Choice Requires="a14">
           <p:sp>
             <p:nvSpPr>
               <p:cNvPr id="55" name="Title 1"/>
@@ -10076,27 +9649,7 @@
                     <a:latin typeface="Times New Roman" panose="02020603050405020304" pitchFamily="18" charset="0"/>
                     <a:cs typeface="Times New Roman" panose="02020603050405020304" pitchFamily="18" charset="0"/>
                   </a:rPr>
-                  <a:t>Die dritte Variante </a:t>
-                </a:r>
-                <a:r>
-                  <a:rPr lang="de-CH" altLang="de-DE" sz="2400" b="0" kern="0" dirty="0" smtClean="0">
-                    <a:solidFill>
-                      <a:srgbClr val="000000"/>
-                    </a:solidFill>
-                    <a:latin typeface="Times New Roman" panose="02020603050405020304" pitchFamily="18" charset="0"/>
-                    <a:cs typeface="Times New Roman" panose="02020603050405020304" pitchFamily="18" charset="0"/>
-                  </a:rPr>
-                  <a:t>sieht in beide Richtungen zweispurig geführte Velounterführungen </a:t>
-                </a:r>
-                <a:r>
-                  <a:rPr lang="de-CH" altLang="de-DE" sz="2400" b="0" kern="0" dirty="0" smtClean="0">
-                    <a:solidFill>
-                      <a:srgbClr val="000000"/>
-                    </a:solidFill>
-                    <a:latin typeface="Times New Roman" panose="02020603050405020304" pitchFamily="18" charset="0"/>
-                    <a:cs typeface="Times New Roman" panose="02020603050405020304" pitchFamily="18" charset="0"/>
-                  </a:rPr>
-                  <a:t>für </a:t>
+                  <a:t>Die dritte Variante sieht in beide Richtungen zweispurig geführte Velounterführungen für </a:t>
                 </a:r>
                 <a:r>
                   <a:rPr lang="de-CH" altLang="de-DE" sz="2400" b="0" kern="0" dirty="0" err="1" smtClean="0">
@@ -10234,73 +9787,13 @@
                     <a:latin typeface="Times New Roman" panose="02020603050405020304" pitchFamily="18" charset="0"/>
                     <a:cs typeface="Times New Roman" panose="02020603050405020304" pitchFamily="18" charset="0"/>
                   </a:rPr>
-                  <a:t> </a:t>
-                </a:r>
-                <a:r>
-                  <a:rPr lang="de-CH" altLang="de-DE" sz="2400" b="0" kern="0" dirty="0" smtClean="0">
-                    <a:solidFill>
-                      <a:srgbClr val="000000"/>
-                    </a:solidFill>
-                    <a:latin typeface="Times New Roman" panose="02020603050405020304" pitchFamily="18" charset="0"/>
-                    <a:cs typeface="Times New Roman" panose="02020603050405020304" pitchFamily="18" charset="0"/>
-                  </a:rPr>
-                  <a:t>vor. </a:t>
-                </a:r>
-                <a:r>
-                  <a:rPr lang="de-CH" altLang="de-DE" sz="2400" b="0" kern="0" dirty="0" smtClean="0">
-                    <a:solidFill>
-                      <a:srgbClr val="000000"/>
-                    </a:solidFill>
-                    <a:latin typeface="Times New Roman" panose="02020603050405020304" pitchFamily="18" charset="0"/>
-                    <a:cs typeface="Times New Roman" panose="02020603050405020304" pitchFamily="18" charset="0"/>
-                  </a:rPr>
-                  <a:t>Die Situation wird mit einem Ampelsystem kontrolliert, was zu einer verlängerten Wartezeit </a:t>
-                </a:r>
-                <a:r>
-                  <a:rPr lang="de-CH" altLang="de-DE" sz="2400" b="0" kern="0" dirty="0" smtClean="0">
-                    <a:solidFill>
-                      <a:srgbClr val="000000"/>
-                    </a:solidFill>
-                    <a:latin typeface="Times New Roman" panose="02020603050405020304" pitchFamily="18" charset="0"/>
-                    <a:cs typeface="Times New Roman" panose="02020603050405020304" pitchFamily="18" charset="0"/>
-                  </a:rPr>
-                  <a:t>des MIV von neu  </a:t>
-                </a:r>
-                <a:r>
-                  <a:rPr lang="de-CH" altLang="de-DE" sz="2400" b="0" kern="0" dirty="0" smtClean="0">
-                    <a:solidFill>
-                      <a:srgbClr val="000000"/>
-                    </a:solidFill>
-                    <a:latin typeface="Times New Roman" panose="02020603050405020304" pitchFamily="18" charset="0"/>
-                    <a:cs typeface="Times New Roman" panose="02020603050405020304" pitchFamily="18" charset="0"/>
-                  </a:rPr>
-                  <a:t>7’ </a:t>
-                </a:r>
-                <a:r>
-                  <a:rPr lang="de-CH" altLang="de-DE" sz="2400" b="0" kern="0" dirty="0" smtClean="0">
-                    <a:solidFill>
-                      <a:srgbClr val="000000"/>
-                    </a:solidFill>
-                    <a:latin typeface="Times New Roman" panose="02020603050405020304" pitchFamily="18" charset="0"/>
-                    <a:cs typeface="Times New Roman" panose="02020603050405020304" pitchFamily="18" charset="0"/>
-                  </a:rPr>
-                  <a:t>führt</a:t>
-                </a:r>
-                <a:r>
-                  <a:rPr lang="de-CH" altLang="de-DE" sz="2400" b="0" kern="0" dirty="0" smtClean="0">
-                    <a:solidFill>
-                      <a:srgbClr val="000000"/>
-                    </a:solidFill>
-                    <a:latin typeface="Times New Roman" panose="02020603050405020304" pitchFamily="18" charset="0"/>
-                    <a:cs typeface="Times New Roman" panose="02020603050405020304" pitchFamily="18" charset="0"/>
-                  </a:rPr>
-                  <a:t>.</a:t>
+                  <a:t> vor. Die Situation wird mit einem Ampelsystem kontrolliert, was zu einer verlängerten Wartezeit des MIV von neu  7’ führt.</a:t>
                 </a:r>
               </a:p>
             </p:txBody>
           </p:sp>
         </mc:Choice>
-        <mc:Fallback>
+        <mc:Fallback xmlns="">
           <p:sp>
             <p:nvSpPr>
               <p:cNvPr id="55" name="Title 1"/>

--- a/03-Poster/FS2020-BScProject-Golliez-Poster-Optimierung_der_Veloinfrastruktur_Uster-2020-05-25.pptx
+++ b/03-Poster/FS2020-BScProject-Golliez-Poster-Optimierung_der_Veloinfrastruktur_Uster-2020-05-25.pptx
@@ -280,7 +280,7 @@
             <a:pPr>
               <a:defRPr/>
             </a:pPr>
-            <a:endParaRPr lang="de-DE"/>
+            <a:endParaRPr lang="de-DE" dirty="0"/>
           </a:p>
         </p:txBody>
       </p:sp>
@@ -330,7 +330,7 @@
             <a:pPr>
               <a:defRPr/>
             </a:pPr>
-            <a:endParaRPr lang="de-DE"/>
+            <a:endParaRPr lang="de-DE" dirty="0"/>
           </a:p>
         </p:txBody>
       </p:sp>
@@ -489,7 +489,7 @@
             <a:pPr>
               <a:defRPr/>
             </a:pPr>
-            <a:endParaRPr lang="de-DE"/>
+            <a:endParaRPr lang="de-DE" dirty="0"/>
           </a:p>
         </p:txBody>
       </p:sp>
@@ -542,7 +542,7 @@
               </a:pPr>
               <a:t>‹Nr.›</a:t>
             </a:fld>
-            <a:endParaRPr lang="de-DE" altLang="de-DE"/>
+            <a:endParaRPr lang="de-DE" altLang="de-DE" dirty="0"/>
           </a:p>
         </p:txBody>
       </p:sp>
@@ -752,7 +752,7 @@
               </a:pPr>
               <a:t>1</a:t>
             </a:fld>
-            <a:endParaRPr lang="de-DE" altLang="de-DE"/>
+            <a:endParaRPr lang="de-DE" altLang="de-DE" dirty="0"/>
           </a:p>
         </p:txBody>
       </p:sp>
@@ -1918,7 +1918,7 @@
             <a:pPr eaLnBrk="1" hangingPunct="1">
               <a:defRPr/>
             </a:pPr>
-            <a:endParaRPr lang="en-US"/>
+            <a:endParaRPr lang="en-US" dirty="0"/>
           </a:p>
         </p:txBody>
       </p:sp>
@@ -2131,24 +2131,14 @@
               <a:defRPr/>
             </a:pPr>
             <a:r>
-              <a:rPr lang="de-CH" altLang="de-DE" sz="7200" dirty="0" err="1" smtClean="0">
+              <a:rPr lang="de-CH" altLang="de-DE" sz="7200" dirty="0" smtClean="0">
                 <a:solidFill>
                   <a:srgbClr val="FFFFFF"/>
                 </a:solidFill>
                 <a:latin typeface="Helvetica" panose="020B0604020202020204" pitchFamily="34" charset="0"/>
                 <a:ea typeface="Times New Roman" panose="02020603050405020304" pitchFamily="18" charset="0"/>
               </a:rPr>
-              <a:t>Bacherlorarbeit</a:t>
-            </a:r>
-            <a:r>
-              <a:rPr lang="de-CH" altLang="de-DE" sz="7200" dirty="0" smtClean="0">
-                <a:solidFill>
-                  <a:srgbClr val="FFFFFF"/>
-                </a:solidFill>
-                <a:latin typeface="Helvetica" panose="020B0604020202020204" pitchFamily="34" charset="0"/>
-                <a:ea typeface="Times New Roman" panose="02020603050405020304" pitchFamily="18" charset="0"/>
-              </a:rPr>
-              <a:t> , FS2020</a:t>
+              <a:t>Bachelorarbeit , FS2020</a:t>
             </a:r>
             <a:endParaRPr lang="de-CH" altLang="de-DE" sz="8000" dirty="0" smtClean="0">
               <a:solidFill>
@@ -2234,27 +2224,7 @@
                 <a:latin typeface="Helvetica" panose="020B0604020202020204" pitchFamily="34" charset="0"/>
                 <a:cs typeface="Times New Roman" panose="02020603050405020304" pitchFamily="18" charset="0"/>
               </a:rPr>
-              <a:t>Autor: Cyrano </a:t>
-            </a:r>
-            <a:r>
-              <a:rPr lang="de-CH" altLang="de-DE" sz="3600" dirty="0" err="1" smtClean="0">
-                <a:solidFill>
-                  <a:srgbClr val="FFFFFF"/>
-                </a:solidFill>
-                <a:latin typeface="Helvetica" panose="020B0604020202020204" pitchFamily="34" charset="0"/>
-                <a:cs typeface="Times New Roman" panose="02020603050405020304" pitchFamily="18" charset="0"/>
-              </a:rPr>
-              <a:t>Golliez</a:t>
-            </a:r>
-            <a:r>
-              <a:rPr lang="de-CH" altLang="de-DE" sz="3600" dirty="0" smtClean="0">
-                <a:solidFill>
-                  <a:srgbClr val="FFFFFF"/>
-                </a:solidFill>
-                <a:latin typeface="Helvetica" panose="020B0604020202020204" pitchFamily="34" charset="0"/>
-                <a:cs typeface="Times New Roman" panose="02020603050405020304" pitchFamily="18" charset="0"/>
-              </a:rPr>
-              <a:t>			</a:t>
+              <a:t>Autor: Cyrano Golliez			</a:t>
             </a:r>
           </a:p>
           <a:p>
@@ -2275,25 +2245,8 @@
                 <a:latin typeface="Helvetica" panose="020B0604020202020204" pitchFamily="34" charset="0"/>
                 <a:cs typeface="Times New Roman" panose="02020603050405020304" pitchFamily="18" charset="0"/>
               </a:rPr>
-              <a:t>Supervision: Prof. Dr. Bryan T. </a:t>
-            </a:r>
-            <a:r>
-              <a:rPr lang="de-CH" altLang="de-DE" sz="3600" dirty="0" err="1" smtClean="0">
-                <a:solidFill>
-                  <a:srgbClr val="FFFFFF"/>
-                </a:solidFill>
-                <a:latin typeface="Helvetica" panose="020B0604020202020204" pitchFamily="34" charset="0"/>
-                <a:cs typeface="Times New Roman" panose="02020603050405020304" pitchFamily="18" charset="0"/>
-              </a:rPr>
-              <a:t>Adey</a:t>
-            </a:r>
-            <a:endParaRPr lang="de-CH" altLang="de-DE" sz="3600" dirty="0" smtClean="0">
-              <a:solidFill>
-                <a:srgbClr val="FFFFFF"/>
-              </a:solidFill>
-              <a:latin typeface="Helvetica" panose="020B0604020202020204" pitchFamily="34" charset="0"/>
-              <a:cs typeface="Times New Roman" panose="02020603050405020304" pitchFamily="18" charset="0"/>
-            </a:endParaRPr>
+              <a:t>Supervision: Prof. Dr. Bryan T. Adey</a:t>
+            </a:r>
           </a:p>
           <a:p>
             <a:pPr algn="just" eaLnBrk="1" hangingPunct="1">
@@ -2313,27 +2266,7 @@
                 <a:latin typeface="Helvetica" panose="020B0604020202020204" pitchFamily="34" charset="0"/>
                 <a:cs typeface="Times New Roman" panose="02020603050405020304" pitchFamily="18" charset="0"/>
               </a:rPr>
-              <a:t>			Dr. Claudio </a:t>
-            </a:r>
-            <a:r>
-              <a:rPr lang="de-CH" altLang="de-DE" sz="3600" dirty="0" err="1" smtClean="0">
-                <a:solidFill>
-                  <a:srgbClr val="FFFFFF"/>
-                </a:solidFill>
-                <a:latin typeface="Helvetica" panose="020B0604020202020204" pitchFamily="34" charset="0"/>
-                <a:cs typeface="Times New Roman" panose="02020603050405020304" pitchFamily="18" charset="0"/>
-              </a:rPr>
-              <a:t>Martani</a:t>
-            </a:r>
-            <a:r>
-              <a:rPr lang="de-CH" altLang="de-DE" sz="3600" dirty="0" smtClean="0">
-                <a:solidFill>
-                  <a:srgbClr val="FFFFFF"/>
-                </a:solidFill>
-                <a:latin typeface="Helvetica" panose="020B0604020202020204" pitchFamily="34" charset="0"/>
-                <a:cs typeface="Times New Roman" panose="02020603050405020304" pitchFamily="18" charset="0"/>
-              </a:rPr>
-              <a:t>	</a:t>
+              <a:t>			Dr. Claudio Martani	</a:t>
             </a:r>
           </a:p>
         </p:txBody>
@@ -3492,7 +3425,7 @@
               <a:buNone/>
               <a:tabLst/>
             </a:pPr>
-            <a:endParaRPr kumimoji="0" lang="de-CH" sz="2400" b="0" i="0" u="none" strike="noStrike" cap="none" normalizeH="0" baseline="0" smtClean="0">
+            <a:endParaRPr kumimoji="0" lang="de-CH" sz="2400" b="0" i="0" u="none" strike="noStrike" cap="none" normalizeH="0" baseline="0" dirty="0" smtClean="0">
               <a:ln>
                 <a:noFill/>
               </a:ln>
@@ -3557,7 +3490,7 @@
               <a:buNone/>
               <a:tabLst/>
             </a:pPr>
-            <a:endParaRPr kumimoji="0" lang="de-CH" sz="2400" b="0" i="0" u="none" strike="noStrike" cap="none" normalizeH="0" baseline="0" smtClean="0">
+            <a:endParaRPr kumimoji="0" lang="de-CH" sz="2400" b="0" i="0" u="none" strike="noStrike" cap="none" normalizeH="0" baseline="0" dirty="0" smtClean="0">
               <a:ln>
                 <a:noFill/>
               </a:ln>
@@ -3998,27 +3931,7 @@
                 <a:latin typeface="Times New Roman" panose="02020603050405020304" pitchFamily="18" charset="0"/>
                 <a:cs typeface="Times New Roman" panose="02020603050405020304" pitchFamily="18" charset="0"/>
               </a:rPr>
-              <a:t>Das sternförmige </a:t>
-            </a:r>
-            <a:r>
-              <a:rPr lang="de-DE" altLang="de-DE" sz="2600" b="0" kern="0" dirty="0" err="1" smtClean="0">
-                <a:solidFill>
-                  <a:srgbClr val="000000"/>
-                </a:solidFill>
-                <a:latin typeface="Times New Roman" panose="02020603050405020304" pitchFamily="18" charset="0"/>
-                <a:cs typeface="Times New Roman" panose="02020603050405020304" pitchFamily="18" charset="0"/>
-              </a:rPr>
-              <a:t>Strassennetz</a:t>
-            </a:r>
-            <a:r>
-              <a:rPr lang="de-DE" altLang="de-DE" sz="2600" b="0" kern="0" dirty="0" smtClean="0">
-                <a:solidFill>
-                  <a:srgbClr val="000000"/>
-                </a:solidFill>
-                <a:latin typeface="Times New Roman" panose="02020603050405020304" pitchFamily="18" charset="0"/>
-                <a:cs typeface="Times New Roman" panose="02020603050405020304" pitchFamily="18" charset="0"/>
-              </a:rPr>
-              <a:t> hat </a:t>
+              <a:t>Das sternförmige Strassennetz hat </a:t>
             </a:r>
             <a:r>
               <a:rPr lang="de-DE" altLang="de-DE" sz="2600" b="0" kern="0" dirty="0">
@@ -4128,57 +4041,17 @@
                 <a:latin typeface="Times New Roman" panose="02020603050405020304" pitchFamily="18" charset="0"/>
                 <a:cs typeface="Times New Roman" panose="02020603050405020304" pitchFamily="18" charset="0"/>
               </a:rPr>
-              <a:t>der langen </a:t>
-            </a:r>
-            <a:r>
-              <a:rPr lang="de-DE" altLang="de-DE" sz="2600" b="0" kern="0" dirty="0" err="1">
+              <a:t>der langen Schliesszeit von bis zu 40’/h, lange Wartezeiten an den </a:t>
+            </a:r>
+            <a:r>
+              <a:rPr lang="de-DE" altLang="de-DE" sz="2600" b="0" kern="0" dirty="0" smtClean="0">
                 <a:solidFill>
                   <a:srgbClr val="000000"/>
                 </a:solidFill>
                 <a:latin typeface="Times New Roman" panose="02020603050405020304" pitchFamily="18" charset="0"/>
                 <a:cs typeface="Times New Roman" panose="02020603050405020304" pitchFamily="18" charset="0"/>
               </a:rPr>
-              <a:t>Schliesszeit</a:t>
-            </a:r>
-            <a:r>
-              <a:rPr lang="de-DE" altLang="de-DE" sz="2600" b="0" kern="0" dirty="0">
-                <a:solidFill>
-                  <a:srgbClr val="000000"/>
-                </a:solidFill>
-                <a:latin typeface="Times New Roman" panose="02020603050405020304" pitchFamily="18" charset="0"/>
-                <a:cs typeface="Times New Roman" panose="02020603050405020304" pitchFamily="18" charset="0"/>
-              </a:rPr>
-              <a:t> von bis zu 40’/h, lange Wartezeiten an den </a:t>
-            </a:r>
-            <a:r>
-              <a:rPr lang="de-DE" altLang="de-DE" sz="2600" b="0" kern="0" dirty="0" smtClean="0">
-                <a:solidFill>
-                  <a:srgbClr val="000000"/>
-                </a:solidFill>
-                <a:latin typeface="Times New Roman" panose="02020603050405020304" pitchFamily="18" charset="0"/>
-                <a:cs typeface="Times New Roman" panose="02020603050405020304" pitchFamily="18" charset="0"/>
-              </a:rPr>
-              <a:t>Bahnübergängen verursacht. Um Uster nachhaltig zu verbessern habe ich mich in Anbetracht der Situation, dazu entschieden den Bahnübergang </a:t>
-            </a:r>
-            <a:r>
-              <a:rPr lang="de-DE" altLang="de-DE" sz="2600" b="0" kern="0" dirty="0" err="1" smtClean="0">
-                <a:solidFill>
-                  <a:srgbClr val="000000"/>
-                </a:solidFill>
-                <a:latin typeface="Times New Roman" panose="02020603050405020304" pitchFamily="18" charset="0"/>
-                <a:cs typeface="Times New Roman" panose="02020603050405020304" pitchFamily="18" charset="0"/>
-              </a:rPr>
-              <a:t>Brunnenstrasse</a:t>
-            </a:r>
-            <a:r>
-              <a:rPr lang="de-DE" altLang="de-DE" sz="2600" b="0" kern="0" dirty="0" smtClean="0">
-                <a:solidFill>
-                  <a:srgbClr val="000000"/>
-                </a:solidFill>
-                <a:latin typeface="Times New Roman" panose="02020603050405020304" pitchFamily="18" charset="0"/>
-                <a:cs typeface="Times New Roman" panose="02020603050405020304" pitchFamily="18" charset="0"/>
-              </a:rPr>
-              <a:t> zu optimieren.</a:t>
+              <a:t>Bahnübergängen verursacht. Um Uster nachhaltig zu verbessern habe ich mich in Anbetracht der Situation, dazu entschieden den Bahnübergang Brunnenstrasse zu optimieren.</a:t>
             </a:r>
             <a:endParaRPr lang="de-CH" altLang="de-DE" sz="2600" b="0" kern="0" dirty="0" smtClean="0">
               <a:solidFill>
@@ -4736,44 +4609,14 @@
               <a:t>1. </a:t>
             </a:r>
             <a:r>
-              <a:rPr lang="de-CH" altLang="de-DE" sz="1800" b="0" kern="0" dirty="0" err="1" smtClean="0">
+              <a:rPr lang="de-CH" altLang="de-DE" sz="1800" b="0" kern="0" dirty="0" smtClean="0">
                 <a:solidFill>
                   <a:srgbClr val="000000"/>
                 </a:solidFill>
                 <a:latin typeface="Times New Roman" panose="02020603050405020304" pitchFamily="18" charset="0"/>
                 <a:cs typeface="Times New Roman" panose="02020603050405020304" pitchFamily="18" charset="0"/>
               </a:rPr>
-              <a:t>Adey</a:t>
-            </a:r>
-            <a:r>
-              <a:rPr lang="de-CH" altLang="de-DE" sz="1800" b="0" kern="0" dirty="0" smtClean="0">
-                <a:solidFill>
-                  <a:srgbClr val="000000"/>
-                </a:solidFill>
-                <a:latin typeface="Times New Roman" panose="02020603050405020304" pitchFamily="18" charset="0"/>
-                <a:cs typeface="Times New Roman" panose="02020603050405020304" pitchFamily="18" charset="0"/>
-              </a:rPr>
-              <a:t> </a:t>
-            </a:r>
-            <a:r>
-              <a:rPr lang="de-CH" altLang="de-DE" sz="1800" b="0" kern="0" dirty="0" smtClean="0">
-                <a:solidFill>
-                  <a:srgbClr val="000000"/>
-                </a:solidFill>
-                <a:latin typeface="Times New Roman" panose="02020603050405020304" pitchFamily="18" charset="0"/>
-                <a:cs typeface="Times New Roman" panose="02020603050405020304" pitchFamily="18" charset="0"/>
-              </a:rPr>
-              <a:t>et al. </a:t>
-            </a:r>
-            <a:r>
-              <a:rPr lang="de-CH" altLang="de-DE" sz="1800" b="0" kern="0" dirty="0" smtClean="0">
-                <a:solidFill>
-                  <a:srgbClr val="000000"/>
-                </a:solidFill>
-                <a:latin typeface="Times New Roman" panose="02020603050405020304" pitchFamily="18" charset="0"/>
-                <a:cs typeface="Times New Roman" panose="02020603050405020304" pitchFamily="18" charset="0"/>
-              </a:rPr>
-              <a:t>2019 – Kursmaterial System Engineering FS2019</a:t>
+              <a:t>Adey et al. 2019 – Kursmaterial System Engineering FS2019</a:t>
             </a:r>
           </a:p>
           <a:p>
@@ -4827,67 +4670,17 @@
                 <a:latin typeface="Times New Roman" panose="02020603050405020304" pitchFamily="18" charset="0"/>
                 <a:cs typeface="Times New Roman" panose="02020603050405020304" pitchFamily="18" charset="0"/>
               </a:rPr>
-              <a:t>AG, </a:t>
-            </a:r>
-            <a:r>
-              <a:rPr lang="de-CH" altLang="de-DE" sz="1800" b="0" kern="0" dirty="0" err="1">
+              <a:t>AG, Chrisina Farner, Markus Hofstetter. 2010. Baukosten der </a:t>
+            </a:r>
+            <a:r>
+              <a:rPr lang="de-CH" altLang="de-DE" sz="1800" b="0" kern="0" dirty="0" smtClean="0">
                 <a:solidFill>
                   <a:srgbClr val="000000"/>
                 </a:solidFill>
                 <a:latin typeface="Times New Roman" panose="02020603050405020304" pitchFamily="18" charset="0"/>
                 <a:cs typeface="Times New Roman" panose="02020603050405020304" pitchFamily="18" charset="0"/>
               </a:rPr>
-              <a:t>Chrisina</a:t>
-            </a:r>
-            <a:r>
-              <a:rPr lang="de-CH" altLang="de-DE" sz="1800" b="0" kern="0" dirty="0">
-                <a:solidFill>
-                  <a:srgbClr val="000000"/>
-                </a:solidFill>
-                <a:latin typeface="Times New Roman" panose="02020603050405020304" pitchFamily="18" charset="0"/>
-                <a:cs typeface="Times New Roman" panose="02020603050405020304" pitchFamily="18" charset="0"/>
-              </a:rPr>
-              <a:t> </a:t>
-            </a:r>
-            <a:r>
-              <a:rPr lang="de-CH" altLang="de-DE" sz="1800" b="0" kern="0" dirty="0" err="1">
-                <a:solidFill>
-                  <a:srgbClr val="000000"/>
-                </a:solidFill>
-                <a:latin typeface="Times New Roman" panose="02020603050405020304" pitchFamily="18" charset="0"/>
-                <a:cs typeface="Times New Roman" panose="02020603050405020304" pitchFamily="18" charset="0"/>
-              </a:rPr>
-              <a:t>Farner</a:t>
-            </a:r>
-            <a:r>
-              <a:rPr lang="de-CH" altLang="de-DE" sz="1800" b="0" kern="0" dirty="0">
-                <a:solidFill>
-                  <a:srgbClr val="000000"/>
-                </a:solidFill>
-                <a:latin typeface="Times New Roman" panose="02020603050405020304" pitchFamily="18" charset="0"/>
-                <a:cs typeface="Times New Roman" panose="02020603050405020304" pitchFamily="18" charset="0"/>
-              </a:rPr>
-              <a:t>, Markus Hofstetter. 2010. Baukosten der </a:t>
-            </a:r>
-            <a:r>
-              <a:rPr lang="de-CH" altLang="de-DE" sz="1800" b="0" kern="0" dirty="0" smtClean="0">
-                <a:solidFill>
-                  <a:srgbClr val="000000"/>
-                </a:solidFill>
-                <a:latin typeface="Times New Roman" panose="02020603050405020304" pitchFamily="18" charset="0"/>
-                <a:cs typeface="Times New Roman" panose="02020603050405020304" pitchFamily="18" charset="0"/>
-              </a:rPr>
-              <a:t>häufigsten </a:t>
-            </a:r>
-            <a:r>
-              <a:rPr lang="de-CH" altLang="de-DE" sz="1800" b="0" kern="0" dirty="0" err="1" smtClean="0">
-                <a:solidFill>
-                  <a:srgbClr val="000000"/>
-                </a:solidFill>
-                <a:latin typeface="Times New Roman" panose="02020603050405020304" pitchFamily="18" charset="0"/>
-                <a:cs typeface="Times New Roman" panose="02020603050405020304" pitchFamily="18" charset="0"/>
-              </a:rPr>
-              <a:t>Langsamverkehrsinfrastrukturen</a:t>
+              <a:t>häufigsten Langsamverkehrsinfrastrukturen</a:t>
             </a:r>
             <a:r>
               <a:rPr lang="de-CH" altLang="de-DE" sz="1800" b="0" kern="0" dirty="0">
@@ -4990,7 +4783,7 @@
               <a:buNone/>
               <a:tabLst/>
             </a:pPr>
-            <a:endParaRPr kumimoji="0" lang="de-CH" sz="2400" b="0" i="0" u="none" strike="noStrike" cap="none" normalizeH="0" baseline="0" smtClean="0">
+            <a:endParaRPr kumimoji="0" lang="de-CH" sz="2400" b="0" i="0" u="none" strike="noStrike" cap="none" normalizeH="0" baseline="0" dirty="0" smtClean="0">
               <a:ln>
                 <a:noFill/>
               </a:ln>
@@ -5085,7 +4878,7 @@
               <a:buNone/>
               <a:tabLst/>
             </a:pPr>
-            <a:endParaRPr kumimoji="0" lang="de-CH" sz="2400" b="0" i="0" u="none" strike="noStrike" cap="none" normalizeH="0" baseline="0" smtClean="0">
+            <a:endParaRPr kumimoji="0" lang="de-CH" sz="2400" b="0" i="0" u="none" strike="noStrike" cap="none" normalizeH="0" baseline="0" dirty="0" smtClean="0">
               <a:ln>
                 <a:noFill/>
               </a:ln>
@@ -5505,27 +5298,7 @@
                     <a:latin typeface="Times New Roman" panose="02020603050405020304" pitchFamily="18" charset="0"/>
                     <a:cs typeface="Times New Roman" panose="02020603050405020304" pitchFamily="18" charset="0"/>
                   </a:rPr>
-                  <a:t>    - </a:t>
-                </a:r>
-                <a:r>
-                  <a:rPr lang="de-CH" altLang="de-DE" sz="2400" b="0" kern="0" dirty="0" err="1" smtClean="0">
-                    <a:solidFill>
-                      <a:srgbClr val="000000"/>
-                    </a:solidFill>
-                    <a:latin typeface="Times New Roman" panose="02020603050405020304" pitchFamily="18" charset="0"/>
-                    <a:cs typeface="Times New Roman" panose="02020603050405020304" pitchFamily="18" charset="0"/>
-                  </a:rPr>
-                  <a:t>Langsamverkehr</a:t>
-                </a:r>
-                <a:r>
-                  <a:rPr lang="de-CH" altLang="de-DE" sz="2400" b="0" kern="0" dirty="0" smtClean="0">
-                    <a:solidFill>
-                      <a:srgbClr val="000000"/>
-                    </a:solidFill>
-                    <a:latin typeface="Times New Roman" panose="02020603050405020304" pitchFamily="18" charset="0"/>
-                    <a:cs typeface="Times New Roman" panose="02020603050405020304" pitchFamily="18" charset="0"/>
-                  </a:rPr>
-                  <a:t> (Velo)</a:t>
+                  <a:t>    - Langsamverkehr (Velo)</a:t>
                 </a:r>
               </a:p>
               <a:p>
@@ -6031,7 +5804,7 @@
               <a:buNone/>
               <a:tabLst/>
             </a:pPr>
-            <a:endParaRPr kumimoji="0" lang="de-CH" sz="2400" b="0" i="0" u="none" strike="noStrike" cap="none" normalizeH="0" baseline="0" smtClean="0">
+            <a:endParaRPr kumimoji="0" lang="de-CH" sz="2400" b="0" i="0" u="none" strike="noStrike" cap="none" normalizeH="0" baseline="0" dirty="0" smtClean="0">
               <a:ln>
                 <a:noFill/>
               </a:ln>
@@ -6252,27 +6025,7 @@
                 <a:latin typeface="Times New Roman" panose="02020603050405020304" pitchFamily="18" charset="0"/>
                 <a:cs typeface="Times New Roman" panose="02020603050405020304" pitchFamily="18" charset="0"/>
               </a:rPr>
-              <a:t>Gemäss dem Entscheidungsbau dargestellten </a:t>
-            </a:r>
-            <a:r>
-              <a:rPr lang="de-CH" altLang="de-DE" sz="2600" b="0" kern="0" dirty="0" smtClean="0">
-                <a:solidFill>
-                  <a:srgbClr val="000000"/>
-                </a:solidFill>
-                <a:latin typeface="Times New Roman" panose="02020603050405020304" pitchFamily="18" charset="0"/>
-                <a:cs typeface="Times New Roman" panose="02020603050405020304" pitchFamily="18" charset="0"/>
-              </a:rPr>
-              <a:t>Risikovergleich </a:t>
-            </a:r>
-            <a:r>
-              <a:rPr lang="de-CH" altLang="de-DE" sz="2600" b="0" kern="0" dirty="0" smtClean="0">
-                <a:solidFill>
-                  <a:srgbClr val="000000"/>
-                </a:solidFill>
-                <a:latin typeface="Times New Roman" panose="02020603050405020304" pitchFamily="18" charset="0"/>
-                <a:cs typeface="Times New Roman" panose="02020603050405020304" pitchFamily="18" charset="0"/>
-              </a:rPr>
-              <a:t>ist die Variante 2 die optimale Variante über den betrachteten Zeitraum. Die durchgeführten Sensitivitätsanalysen bestätigen die getroffene Wahl. Somit ist die Variante 2 diejenige Variante, welche die Zielfunktion am meisten optimiert, die geringsten Kosten verursacht und somit den Nutzen aller Beteiligten erhöht.</a:t>
+              <a:t>Gemäss dem Entscheidungsbau dargestellten Risikovergleich ist die Variante 2 die optimale Variante über den betrachteten Zeitraum. Die durchgeführten Sensitivitätsanalysen bestätigen die getroffene Wahl. Somit ist die Variante 2 diejenige Variante, welche die Zielfunktion am meisten optimiert, die geringsten Kosten verursacht und somit den Nutzen aller Beteiligten erhöht.</a:t>
             </a:r>
           </a:p>
           <a:p>
@@ -6338,7 +6091,7 @@
               <a:buNone/>
               <a:tabLst/>
             </a:pPr>
-            <a:endParaRPr kumimoji="0" lang="de-CH" sz="2400" b="0" i="0" u="none" strike="noStrike" cap="none" normalizeH="0" baseline="0" smtClean="0">
+            <a:endParaRPr kumimoji="0" lang="de-CH" sz="2400" b="0" i="0" u="none" strike="noStrike" cap="none" normalizeH="0" baseline="0" dirty="0" smtClean="0">
               <a:ln>
                 <a:noFill/>
               </a:ln>
@@ -6849,27 +6602,7 @@
                     <a:latin typeface="Times New Roman" panose="02020603050405020304" pitchFamily="18" charset="0"/>
                     <a:cs typeface="Times New Roman" panose="02020603050405020304" pitchFamily="18" charset="0"/>
                   </a:rPr>
-                  <a:t>Quelle: </a:t>
-                </a:r>
-                <a:r>
-                  <a:rPr lang="de-CH" altLang="de-DE" sz="1400" b="0" kern="0" dirty="0" err="1" smtClean="0">
-                    <a:solidFill>
-                      <a:srgbClr val="000000"/>
-                    </a:solidFill>
-                    <a:latin typeface="Times New Roman" panose="02020603050405020304" pitchFamily="18" charset="0"/>
-                    <a:cs typeface="Times New Roman" panose="02020603050405020304" pitchFamily="18" charset="0"/>
-                  </a:rPr>
-                  <a:t>Adey</a:t>
-                </a:r>
-                <a:r>
-                  <a:rPr lang="de-CH" altLang="de-DE" sz="1400" b="0" kern="0" dirty="0" smtClean="0">
-                    <a:solidFill>
-                      <a:srgbClr val="000000"/>
-                    </a:solidFill>
-                    <a:latin typeface="Times New Roman" panose="02020603050405020304" pitchFamily="18" charset="0"/>
-                    <a:cs typeface="Times New Roman" panose="02020603050405020304" pitchFamily="18" charset="0"/>
-                  </a:rPr>
-                  <a:t> et. all</a:t>
+                  <a:t>Quelle: Adey et. all</a:t>
                 </a:r>
                 <a14:m>
                   <m:oMath xmlns:m="http://schemas.openxmlformats.org/officeDocument/2006/math">
@@ -7332,7 +7065,7 @@
               <a:buNone/>
               <a:tabLst/>
             </a:pPr>
-            <a:endParaRPr kumimoji="0" lang="de-CH" sz="2400" b="0" i="0" u="none" strike="noStrike" cap="none" normalizeH="0" baseline="0" smtClean="0">
+            <a:endParaRPr kumimoji="0" lang="de-CH" sz="2400" b="0" i="0" u="none" strike="noStrike" cap="none" normalizeH="0" baseline="0" dirty="0" smtClean="0">
               <a:ln>
                 <a:noFill/>
               </a:ln>
@@ -7608,24 +7341,14 @@
               <a:buChar char="Ø"/>
             </a:pPr>
             <a:r>
-              <a:rPr lang="de-CH" altLang="de-DE" sz="2000" b="0" kern="0" dirty="0" err="1" smtClean="0">
+              <a:rPr lang="de-CH" altLang="de-DE" sz="2000" b="0" kern="0" dirty="0" smtClean="0">
                 <a:solidFill>
                   <a:srgbClr val="000000"/>
                 </a:solidFill>
                 <a:latin typeface="Times New Roman" panose="02020603050405020304" pitchFamily="18" charset="0"/>
                 <a:cs typeface="Times New Roman" panose="02020603050405020304" pitchFamily="18" charset="0"/>
               </a:rPr>
-              <a:t>Langsamverkehr</a:t>
-            </a:r>
-            <a:r>
-              <a:rPr lang="de-CH" altLang="de-DE" sz="2000" b="0" kern="0" dirty="0" smtClean="0">
-                <a:solidFill>
-                  <a:srgbClr val="000000"/>
-                </a:solidFill>
-                <a:latin typeface="Times New Roman" panose="02020603050405020304" pitchFamily="18" charset="0"/>
-                <a:cs typeface="Times New Roman" panose="02020603050405020304" pitchFamily="18" charset="0"/>
-              </a:rPr>
-              <a:t> fördern, MIV aber nicht einschränken</a:t>
+              <a:t>Langsamverkehr fördern, MIV aber nicht einschränken</a:t>
             </a:r>
           </a:p>
           <a:p>
@@ -7642,27 +7365,7 @@
                 <a:latin typeface="Times New Roman" panose="02020603050405020304" pitchFamily="18" charset="0"/>
                 <a:cs typeface="Times New Roman" panose="02020603050405020304" pitchFamily="18" charset="0"/>
               </a:rPr>
-              <a:t>Zukunftsorientierte </a:t>
-            </a:r>
-            <a:r>
-              <a:rPr lang="de-CH" altLang="de-DE" sz="2400" b="0" kern="0" dirty="0" err="1" smtClean="0">
-                <a:solidFill>
-                  <a:srgbClr val="000000"/>
-                </a:solidFill>
-                <a:latin typeface="Times New Roman" panose="02020603050405020304" pitchFamily="18" charset="0"/>
-                <a:cs typeface="Times New Roman" panose="02020603050405020304" pitchFamily="18" charset="0"/>
-              </a:rPr>
-              <a:t>Löung</a:t>
-            </a:r>
-            <a:r>
-              <a:rPr lang="de-CH" altLang="de-DE" sz="2400" b="0" kern="0" dirty="0" smtClean="0">
-                <a:solidFill>
-                  <a:srgbClr val="000000"/>
-                </a:solidFill>
-                <a:latin typeface="Times New Roman" panose="02020603050405020304" pitchFamily="18" charset="0"/>
-                <a:cs typeface="Times New Roman" panose="02020603050405020304" pitchFamily="18" charset="0"/>
-              </a:rPr>
-              <a:t> → über 40 Jahre</a:t>
+              <a:t>Zukunftsorientierte Lösung → über 40 Jahre</a:t>
             </a:r>
           </a:p>
           <a:p>
@@ -8313,7 +8016,7 @@
               <a:buNone/>
               <a:tabLst/>
             </a:pPr>
-            <a:endParaRPr kumimoji="0" lang="de-CH" sz="2400" b="0" i="0" u="none" strike="noStrike" cap="none" normalizeH="0" baseline="0" smtClean="0">
+            <a:endParaRPr kumimoji="0" lang="de-CH" sz="2400" b="0" i="0" u="none" strike="noStrike" cap="none" normalizeH="0" baseline="0" dirty="0" smtClean="0">
               <a:ln>
                 <a:noFill/>
               </a:ln>
@@ -8767,7 +8470,7 @@
               <a:t>Im Entscheidungsbaum dargestellt sind die möglichen zukünftigen Ereignisse und ihre Eintrittswahrscheinlichkeit. Die Berechnung erfolgt von links nach rechts. Das Risiko welches von der Ausführung einer Variante ausgeht, berechnet sich durch die Summe aller </a:t>
             </a:r>
             <a:r>
-              <a:rPr lang="de-CH" altLang="de-DE" sz="2600" b="0" kern="0" dirty="0" err="1">
+              <a:rPr lang="de-CH" altLang="de-DE" sz="2600" b="0" kern="0" dirty="0">
                 <a:solidFill>
                   <a:srgbClr val="000000"/>
                 </a:solidFill>
@@ -8777,24 +8480,14 @@
               <a:t>w</a:t>
             </a:r>
             <a:r>
-              <a:rPr lang="de-CH" altLang="de-DE" sz="2600" b="0" kern="0" dirty="0" err="1" smtClean="0">
+              <a:rPr lang="de-CH" altLang="de-DE" sz="2600" b="0" kern="0" dirty="0" smtClean="0">
                 <a:solidFill>
                   <a:srgbClr val="000000"/>
                 </a:solidFill>
                 <a:latin typeface="Times New Roman" panose="02020603050405020304" pitchFamily="18" charset="0"/>
                 <a:cs typeface="Times New Roman" panose="02020603050405020304" pitchFamily="18" charset="0"/>
               </a:rPr>
-              <a:t>’keitsgewichteten</a:t>
-            </a:r>
-            <a:r>
-              <a:rPr lang="de-CH" altLang="de-DE" sz="2600" b="0" kern="0" dirty="0" smtClean="0">
-                <a:solidFill>
-                  <a:srgbClr val="000000"/>
-                </a:solidFill>
-                <a:latin typeface="Times New Roman" panose="02020603050405020304" pitchFamily="18" charset="0"/>
-                <a:cs typeface="Times New Roman" panose="02020603050405020304" pitchFamily="18" charset="0"/>
-              </a:rPr>
-              <a:t> Kosten einer Variante über alle dargestellten Szenarien.</a:t>
+              <a:t>’keitsgewichteten Kosten einer Variante über alle dargestellten Szenarien.</a:t>
             </a:r>
           </a:p>
         </p:txBody>
@@ -8851,7 +8544,7 @@
               <a:buNone/>
               <a:tabLst/>
             </a:pPr>
-            <a:endParaRPr kumimoji="0" lang="de-CH" sz="2400" b="0" i="0" u="none" strike="noStrike" cap="none" normalizeH="0" baseline="0" smtClean="0">
+            <a:endParaRPr kumimoji="0" lang="de-CH" sz="2400" b="0" i="0" u="none" strike="noStrike" cap="none" normalizeH="0" baseline="0" dirty="0" smtClean="0">
               <a:ln>
                 <a:noFill/>
               </a:ln>
@@ -9649,27 +9342,7 @@
                     <a:latin typeface="Times New Roman" panose="02020603050405020304" pitchFamily="18" charset="0"/>
                     <a:cs typeface="Times New Roman" panose="02020603050405020304" pitchFamily="18" charset="0"/>
                   </a:rPr>
-                  <a:t>Die dritte Variante sieht in beide Richtungen zweispurig geführte Velounterführungen für </a:t>
-                </a:r>
-                <a:r>
-                  <a:rPr lang="de-CH" altLang="de-DE" sz="2400" b="0" kern="0" dirty="0" err="1" smtClean="0">
-                    <a:solidFill>
-                      <a:srgbClr val="000000"/>
-                    </a:solidFill>
-                    <a:latin typeface="Times New Roman" panose="02020603050405020304" pitchFamily="18" charset="0"/>
-                    <a:cs typeface="Times New Roman" panose="02020603050405020304" pitchFamily="18" charset="0"/>
-                  </a:rPr>
-                  <a:t>ingesamt</a:t>
-                </a:r>
-                <a:r>
-                  <a:rPr lang="de-CH" altLang="de-DE" sz="2400" b="0" kern="0" dirty="0" smtClean="0">
-                    <a:solidFill>
-                      <a:srgbClr val="000000"/>
-                    </a:solidFill>
-                    <a:latin typeface="Times New Roman" panose="02020603050405020304" pitchFamily="18" charset="0"/>
-                    <a:cs typeface="Times New Roman" panose="02020603050405020304" pitchFamily="18" charset="0"/>
-                  </a:rPr>
-                  <a:t> </a:t>
+                  <a:t>Die dritte Variante sieht in beide Richtungen zweispurig geführte Velounterführungen für insgesamt </a:t>
                 </a:r>
                 <a14:m>
                   <m:oMath xmlns:m="http://schemas.openxmlformats.org/officeDocument/2006/math">
